--- a/presentation/Group10Poster Final.pptx
+++ b/presentation/Group10Poster Final.pptx
@@ -246,7 +246,7 @@
           <a:p>
             <a:fld id="{BD1CB04D-1C75-43E0-9B64-B7DDAA42BB2C}" type="datetimeFigureOut">
               <a:rPr lang="en-US" smtClean="0"/>
-              <a:t>12/9/2024</a:t>
+              <a:t>12/10/2024</a:t>
             </a:fld>
             <a:endParaRPr lang="en-US"/>
           </a:p>
@@ -812,7 +812,7 @@
           <a:p>
             <a:fld id="{3F135061-2F74-46D4-9F8F-C77EF304855D}" type="datetimeFigureOut">
               <a:rPr lang="en-US" smtClean="0"/>
-              <a:t>12/9/2024</a:t>
+              <a:t>12/10/2024</a:t>
             </a:fld>
             <a:endParaRPr lang="en-US"/>
           </a:p>
@@ -982,7 +982,7 @@
           <a:p>
             <a:fld id="{3F135061-2F74-46D4-9F8F-C77EF304855D}" type="datetimeFigureOut">
               <a:rPr lang="en-US" smtClean="0"/>
-              <a:t>12/9/2024</a:t>
+              <a:t>12/10/2024</a:t>
             </a:fld>
             <a:endParaRPr lang="en-US"/>
           </a:p>
@@ -1162,7 +1162,7 @@
           <a:p>
             <a:fld id="{3F135061-2F74-46D4-9F8F-C77EF304855D}" type="datetimeFigureOut">
               <a:rPr lang="en-US" smtClean="0"/>
-              <a:t>12/9/2024</a:t>
+              <a:t>12/10/2024</a:t>
             </a:fld>
             <a:endParaRPr lang="en-US"/>
           </a:p>
@@ -1332,7 +1332,7 @@
           <a:p>
             <a:fld id="{3F135061-2F74-46D4-9F8F-C77EF304855D}" type="datetimeFigureOut">
               <a:rPr lang="en-US" smtClean="0"/>
-              <a:t>12/9/2024</a:t>
+              <a:t>12/10/2024</a:t>
             </a:fld>
             <a:endParaRPr lang="en-US"/>
           </a:p>
@@ -1576,7 +1576,7 @@
           <a:p>
             <a:fld id="{3F135061-2F74-46D4-9F8F-C77EF304855D}" type="datetimeFigureOut">
               <a:rPr lang="en-US" smtClean="0"/>
-              <a:t>12/9/2024</a:t>
+              <a:t>12/10/2024</a:t>
             </a:fld>
             <a:endParaRPr lang="en-US"/>
           </a:p>
@@ -1808,7 +1808,7 @@
           <a:p>
             <a:fld id="{3F135061-2F74-46D4-9F8F-C77EF304855D}" type="datetimeFigureOut">
               <a:rPr lang="en-US" smtClean="0"/>
-              <a:t>12/9/2024</a:t>
+              <a:t>12/10/2024</a:t>
             </a:fld>
             <a:endParaRPr lang="en-US"/>
           </a:p>
@@ -2175,7 +2175,7 @@
           <a:p>
             <a:fld id="{3F135061-2F74-46D4-9F8F-C77EF304855D}" type="datetimeFigureOut">
               <a:rPr lang="en-US" smtClean="0"/>
-              <a:t>12/9/2024</a:t>
+              <a:t>12/10/2024</a:t>
             </a:fld>
             <a:endParaRPr lang="en-US"/>
           </a:p>
@@ -2293,7 +2293,7 @@
           <a:p>
             <a:fld id="{3F135061-2F74-46D4-9F8F-C77EF304855D}" type="datetimeFigureOut">
               <a:rPr lang="en-US" smtClean="0"/>
-              <a:t>12/9/2024</a:t>
+              <a:t>12/10/2024</a:t>
             </a:fld>
             <a:endParaRPr lang="en-US"/>
           </a:p>
@@ -2388,7 +2388,7 @@
           <a:p>
             <a:fld id="{3F135061-2F74-46D4-9F8F-C77EF304855D}" type="datetimeFigureOut">
               <a:rPr lang="en-US" smtClean="0"/>
-              <a:t>12/9/2024</a:t>
+              <a:t>12/10/2024</a:t>
             </a:fld>
             <a:endParaRPr lang="en-US"/>
           </a:p>
@@ -2665,7 +2665,7 @@
           <a:p>
             <a:fld id="{3F135061-2F74-46D4-9F8F-C77EF304855D}" type="datetimeFigureOut">
               <a:rPr lang="en-US" smtClean="0"/>
-              <a:t>12/9/2024</a:t>
+              <a:t>12/10/2024</a:t>
             </a:fld>
             <a:endParaRPr lang="en-US"/>
           </a:p>
@@ -2922,7 +2922,7 @@
           <a:p>
             <a:fld id="{3F135061-2F74-46D4-9F8F-C77EF304855D}" type="datetimeFigureOut">
               <a:rPr lang="en-US" smtClean="0"/>
-              <a:t>12/9/2024</a:t>
+              <a:t>12/10/2024</a:t>
             </a:fld>
             <a:endParaRPr lang="en-US"/>
           </a:p>
@@ -3135,7 +3135,7 @@
           <a:p>
             <a:fld id="{3F135061-2F74-46D4-9F8F-C77EF304855D}" type="datetimeFigureOut">
               <a:rPr lang="en-US" smtClean="0"/>
-              <a:t>12/9/2024</a:t>
+              <a:t>12/10/2024</a:t>
             </a:fld>
             <a:endParaRPr lang="en-US"/>
           </a:p>
@@ -4350,18 +4350,11 @@
               </a:spcBef>
             </a:pPr>
             <a:r>
-              <a:rPr lang="en-US" sz="3600" b="1" dirty="0" err="1">
-                <a:latin typeface="Lato" panose="020F0502020204030203" pitchFamily="34" charset="0"/>
-                <a:cs typeface="Lato" panose="020F0502020204030203" pitchFamily="34" charset="0"/>
-              </a:rPr>
-              <a:t>Ahfaz</a:t>
-            </a:r>
-            <a:r>
               <a:rPr lang="en-US" sz="3600" b="1" dirty="0">
                 <a:latin typeface="Lato" panose="020F0502020204030203" pitchFamily="34" charset="0"/>
                 <a:cs typeface="Lato" panose="020F0502020204030203" pitchFamily="34" charset="0"/>
               </a:rPr>
-              <a:t> Abdul, Sai Sushama Nimmagadda, Harish Babu </a:t>
+              <a:t>Ahfaz Abdul, Sai Sushama Nimmagadda, Harish Babu </a:t>
             </a:r>
             <a:r>
               <a:rPr lang="en-US" sz="3600" b="1" dirty="0" err="1">
@@ -4647,184 +4640,6 @@
           </a:prstGeom>
         </p:spPr>
       </p:pic>
-      <p:pic>
-        <p:nvPicPr>
-          <p:cNvPr id="6" name="Picture 5">
-            <a:extLst>
-              <a:ext uri="{FF2B5EF4-FFF2-40B4-BE49-F238E27FC236}">
-                <a16:creationId xmlns:a16="http://schemas.microsoft.com/office/drawing/2014/main" id="{F94DD2FB-F11A-B01B-FDCB-DF87922214C7}"/>
-              </a:ext>
-            </a:extLst>
-          </p:cNvPr>
-          <p:cNvPicPr>
-            <a:picLocks noChangeAspect="1"/>
-          </p:cNvPicPr>
-          <p:nvPr/>
-        </p:nvPicPr>
-        <p:blipFill>
-          <a:blip r:embed="rId5"/>
-          <a:stretch>
-            <a:fillRect/>
-          </a:stretch>
-        </p:blipFill>
-        <p:spPr>
-          <a:xfrm>
-            <a:off x="178984" y="17593754"/>
-            <a:ext cx="10788872" cy="6729984"/>
-          </a:xfrm>
-          <a:prstGeom prst="rect">
-            <a:avLst/>
-          </a:prstGeom>
-        </p:spPr>
-      </p:pic>
-      <p:pic>
-        <p:nvPicPr>
-          <p:cNvPr id="9" name="Picture 8">
-            <a:extLst>
-              <a:ext uri="{FF2B5EF4-FFF2-40B4-BE49-F238E27FC236}">
-                <a16:creationId xmlns:a16="http://schemas.microsoft.com/office/drawing/2014/main" id="{64F3FB41-C8E1-2502-210B-46B884D046EF}"/>
-              </a:ext>
-            </a:extLst>
-          </p:cNvPr>
-          <p:cNvPicPr>
-            <a:picLocks noChangeAspect="1"/>
-          </p:cNvPicPr>
-          <p:nvPr/>
-        </p:nvPicPr>
-        <p:blipFill>
-          <a:blip r:embed="rId6"/>
-          <a:srcRect t="3711"/>
-          <a:stretch/>
-        </p:blipFill>
-        <p:spPr>
-          <a:xfrm>
-            <a:off x="37275785" y="881849"/>
-            <a:ext cx="10953908" cy="5640529"/>
-          </a:xfrm>
-          <a:prstGeom prst="rect">
-            <a:avLst/>
-          </a:prstGeom>
-        </p:spPr>
-      </p:pic>
-      <p:pic>
-        <p:nvPicPr>
-          <p:cNvPr id="11" name="Picture 10">
-            <a:extLst>
-              <a:ext uri="{FF2B5EF4-FFF2-40B4-BE49-F238E27FC236}">
-                <a16:creationId xmlns:a16="http://schemas.microsoft.com/office/drawing/2014/main" id="{A9A15E2B-E42B-6FA9-BB24-00E9CCA2AF60}"/>
-              </a:ext>
-            </a:extLst>
-          </p:cNvPr>
-          <p:cNvPicPr>
-            <a:picLocks noChangeAspect="1"/>
-          </p:cNvPicPr>
-          <p:nvPr/>
-        </p:nvPicPr>
-        <p:blipFill>
-          <a:blip r:embed="rId7"/>
-          <a:srcRect l="1726" r="1732"/>
-          <a:stretch/>
-        </p:blipFill>
-        <p:spPr>
-          <a:xfrm>
-            <a:off x="37275785" y="24323738"/>
-            <a:ext cx="10953907" cy="5283039"/>
-          </a:xfrm>
-          <a:prstGeom prst="rect">
-            <a:avLst/>
-          </a:prstGeom>
-        </p:spPr>
-      </p:pic>
-      <p:pic>
-        <p:nvPicPr>
-          <p:cNvPr id="13" name="Picture 12">
-            <a:extLst>
-              <a:ext uri="{FF2B5EF4-FFF2-40B4-BE49-F238E27FC236}">
-                <a16:creationId xmlns:a16="http://schemas.microsoft.com/office/drawing/2014/main" id="{641D7AC7-A820-7685-D349-927B5E866952}"/>
-              </a:ext>
-            </a:extLst>
-          </p:cNvPr>
-          <p:cNvPicPr>
-            <a:picLocks noChangeAspect="1"/>
-          </p:cNvPicPr>
-          <p:nvPr/>
-        </p:nvPicPr>
-        <p:blipFill>
-          <a:blip r:embed="rId8"/>
-          <a:stretch>
-            <a:fillRect/>
-          </a:stretch>
-        </p:blipFill>
-        <p:spPr>
-          <a:xfrm>
-            <a:off x="37678144" y="19025372"/>
-            <a:ext cx="10525932" cy="5003741"/>
-          </a:xfrm>
-          <a:prstGeom prst="rect">
-            <a:avLst/>
-          </a:prstGeom>
-        </p:spPr>
-      </p:pic>
-      <p:pic>
-        <p:nvPicPr>
-          <p:cNvPr id="15" name="Picture 14">
-            <a:extLst>
-              <a:ext uri="{FF2B5EF4-FFF2-40B4-BE49-F238E27FC236}">
-                <a16:creationId xmlns:a16="http://schemas.microsoft.com/office/drawing/2014/main" id="{F83B7823-26A4-10CB-341F-396ED34479E6}"/>
-              </a:ext>
-            </a:extLst>
-          </p:cNvPr>
-          <p:cNvPicPr>
-            <a:picLocks noChangeAspect="1"/>
-          </p:cNvPicPr>
-          <p:nvPr/>
-        </p:nvPicPr>
-        <p:blipFill>
-          <a:blip r:embed="rId9"/>
-          <a:stretch>
-            <a:fillRect/>
-          </a:stretch>
-        </p:blipFill>
-        <p:spPr>
-          <a:xfrm>
-            <a:off x="37967919" y="13153312"/>
-            <a:ext cx="10129692" cy="5577435"/>
-          </a:xfrm>
-          <a:prstGeom prst="rect">
-            <a:avLst/>
-          </a:prstGeom>
-        </p:spPr>
-      </p:pic>
-      <p:pic>
-        <p:nvPicPr>
-          <p:cNvPr id="20" name="Picture 19">
-            <a:extLst>
-              <a:ext uri="{FF2B5EF4-FFF2-40B4-BE49-F238E27FC236}">
-                <a16:creationId xmlns:a16="http://schemas.microsoft.com/office/drawing/2014/main" id="{7BD2722A-BD37-C707-91AA-0812CC9A3052}"/>
-              </a:ext>
-            </a:extLst>
-          </p:cNvPr>
-          <p:cNvPicPr>
-            <a:picLocks noChangeAspect="1"/>
-          </p:cNvPicPr>
-          <p:nvPr/>
-        </p:nvPicPr>
-        <p:blipFill>
-          <a:blip r:embed="rId10"/>
-          <a:stretch>
-            <a:fillRect/>
-          </a:stretch>
-        </p:blipFill>
-        <p:spPr>
-          <a:xfrm>
-            <a:off x="37295562" y="7183295"/>
-            <a:ext cx="10953907" cy="5577435"/>
-          </a:xfrm>
-          <a:prstGeom prst="rect">
-            <a:avLst/>
-          </a:prstGeom>
-        </p:spPr>
-      </p:pic>
       <p:sp>
         <p:nvSpPr>
           <p:cNvPr id="26" name="TextBox 25">
@@ -4875,7 +4690,7 @@
           <p:nvPr/>
         </p:nvPicPr>
         <p:blipFill>
-          <a:blip r:embed="rId11">
+          <a:blip r:embed="rId5">
             <a:extLst>
               <a:ext uri="{28A0092B-C50C-407E-A947-70E740481C1C}">
                 <a14:useLocalDpi xmlns:a14="http://schemas.microsoft.com/office/drawing/2010/main" val="0"/>
@@ -4938,6 +4753,288 @@
           </a:p>
         </p:txBody>
       </p:sp>
+      <p:pic>
+        <p:nvPicPr>
+          <p:cNvPr id="1028" name="Picture 4">
+            <a:extLst>
+              <a:ext uri="{FF2B5EF4-FFF2-40B4-BE49-F238E27FC236}">
+                <a16:creationId xmlns:a16="http://schemas.microsoft.com/office/drawing/2014/main" id="{9B5BEEED-1712-E6D3-44D4-31B6BC0F17A8}"/>
+              </a:ext>
+            </a:extLst>
+          </p:cNvPr>
+          <p:cNvPicPr>
+            <a:picLocks noChangeAspect="1" noChangeArrowheads="1"/>
+          </p:cNvPicPr>
+          <p:nvPr/>
+        </p:nvPicPr>
+        <p:blipFill>
+          <a:blip r:embed="rId6">
+            <a:extLst>
+              <a:ext uri="{28A0092B-C50C-407E-A947-70E740481C1C}">
+                <a14:useLocalDpi xmlns:a14="http://schemas.microsoft.com/office/drawing/2010/main" val="0"/>
+              </a:ext>
+            </a:extLst>
+          </a:blip>
+          <a:srcRect/>
+          <a:stretch>
+            <a:fillRect/>
+          </a:stretch>
+        </p:blipFill>
+        <p:spPr bwMode="auto">
+          <a:xfrm>
+            <a:off x="39065600" y="1634052"/>
+            <a:ext cx="7934325" cy="5210175"/>
+          </a:xfrm>
+          <a:prstGeom prst="rect">
+            <a:avLst/>
+          </a:prstGeom>
+          <a:noFill/>
+          <a:extLst>
+            <a:ext uri="{909E8E84-426E-40DD-AFC4-6F175D3DCCD1}">
+              <a14:hiddenFill xmlns:a14="http://schemas.microsoft.com/office/drawing/2010/main">
+                <a:solidFill>
+                  <a:srgbClr val="FFFFFF"/>
+                </a:solidFill>
+              </a14:hiddenFill>
+            </a:ext>
+          </a:extLst>
+        </p:spPr>
+      </p:pic>
+      <p:pic>
+        <p:nvPicPr>
+          <p:cNvPr id="1030" name="Picture 6">
+            <a:extLst>
+              <a:ext uri="{FF2B5EF4-FFF2-40B4-BE49-F238E27FC236}">
+                <a16:creationId xmlns:a16="http://schemas.microsoft.com/office/drawing/2014/main" id="{7A37AC8C-E1ED-2DDC-5AE2-5444C877C870}"/>
+              </a:ext>
+            </a:extLst>
+          </p:cNvPr>
+          <p:cNvPicPr>
+            <a:picLocks noChangeAspect="1" noChangeArrowheads="1"/>
+          </p:cNvPicPr>
+          <p:nvPr/>
+        </p:nvPicPr>
+        <p:blipFill>
+          <a:blip r:embed="rId7">
+            <a:extLst>
+              <a:ext uri="{28A0092B-C50C-407E-A947-70E740481C1C}">
+                <a14:useLocalDpi xmlns:a14="http://schemas.microsoft.com/office/drawing/2010/main" val="0"/>
+              </a:ext>
+            </a:extLst>
+          </a:blip>
+          <a:srcRect/>
+          <a:stretch>
+            <a:fillRect/>
+          </a:stretch>
+        </p:blipFill>
+        <p:spPr bwMode="auto">
+          <a:xfrm>
+            <a:off x="39065600" y="7404991"/>
+            <a:ext cx="7934325" cy="5210175"/>
+          </a:xfrm>
+          <a:prstGeom prst="rect">
+            <a:avLst/>
+          </a:prstGeom>
+          <a:noFill/>
+          <a:extLst>
+            <a:ext uri="{909E8E84-426E-40DD-AFC4-6F175D3DCCD1}">
+              <a14:hiddenFill xmlns:a14="http://schemas.microsoft.com/office/drawing/2010/main">
+                <a:solidFill>
+                  <a:srgbClr val="FFFFFF"/>
+                </a:solidFill>
+              </a14:hiddenFill>
+            </a:ext>
+          </a:extLst>
+        </p:spPr>
+      </p:pic>
+      <p:pic>
+        <p:nvPicPr>
+          <p:cNvPr id="1034" name="Picture 10">
+            <a:extLst>
+              <a:ext uri="{FF2B5EF4-FFF2-40B4-BE49-F238E27FC236}">
+                <a16:creationId xmlns:a16="http://schemas.microsoft.com/office/drawing/2014/main" id="{8440F6E3-4A47-13E5-9B78-26384BA0FB36}"/>
+              </a:ext>
+            </a:extLst>
+          </p:cNvPr>
+          <p:cNvPicPr>
+            <a:picLocks noChangeAspect="1" noChangeArrowheads="1"/>
+          </p:cNvPicPr>
+          <p:nvPr/>
+        </p:nvPicPr>
+        <p:blipFill>
+          <a:blip r:embed="rId8">
+            <a:extLst>
+              <a:ext uri="{28A0092B-C50C-407E-A947-70E740481C1C}">
+                <a14:useLocalDpi xmlns:a14="http://schemas.microsoft.com/office/drawing/2010/main" val="0"/>
+              </a:ext>
+            </a:extLst>
+          </a:blip>
+          <a:srcRect/>
+          <a:stretch>
+            <a:fillRect/>
+          </a:stretch>
+        </p:blipFill>
+        <p:spPr bwMode="auto">
+          <a:xfrm>
+            <a:off x="497505" y="17598180"/>
+            <a:ext cx="10858731" cy="6430934"/>
+          </a:xfrm>
+          <a:prstGeom prst="rect">
+            <a:avLst/>
+          </a:prstGeom>
+          <a:noFill/>
+          <a:extLst>
+            <a:ext uri="{909E8E84-426E-40DD-AFC4-6F175D3DCCD1}">
+              <a14:hiddenFill xmlns:a14="http://schemas.microsoft.com/office/drawing/2010/main">
+                <a:solidFill>
+                  <a:srgbClr val="FFFFFF"/>
+                </a:solidFill>
+              </a14:hiddenFill>
+            </a:ext>
+          </a:extLst>
+        </p:spPr>
+      </p:pic>
+      <p:pic>
+        <p:nvPicPr>
+          <p:cNvPr id="1036" name="Picture 12">
+            <a:extLst>
+              <a:ext uri="{FF2B5EF4-FFF2-40B4-BE49-F238E27FC236}">
+                <a16:creationId xmlns:a16="http://schemas.microsoft.com/office/drawing/2014/main" id="{61B3E83A-66DA-DE47-797C-EA37197FC5FF}"/>
+              </a:ext>
+            </a:extLst>
+          </p:cNvPr>
+          <p:cNvPicPr>
+            <a:picLocks noChangeAspect="1" noChangeArrowheads="1"/>
+          </p:cNvPicPr>
+          <p:nvPr/>
+        </p:nvPicPr>
+        <p:blipFill>
+          <a:blip r:embed="rId9">
+            <a:extLst>
+              <a:ext uri="{28A0092B-C50C-407E-A947-70E740481C1C}">
+                <a14:useLocalDpi xmlns:a14="http://schemas.microsoft.com/office/drawing/2010/main" val="0"/>
+              </a:ext>
+            </a:extLst>
+          </a:blip>
+          <a:srcRect/>
+          <a:stretch>
+            <a:fillRect/>
+          </a:stretch>
+        </p:blipFill>
+        <p:spPr bwMode="auto">
+          <a:xfrm>
+            <a:off x="39027499" y="13081531"/>
+            <a:ext cx="8010525" cy="5210175"/>
+          </a:xfrm>
+          <a:prstGeom prst="rect">
+            <a:avLst/>
+          </a:prstGeom>
+          <a:noFill/>
+          <a:extLst>
+            <a:ext uri="{909E8E84-426E-40DD-AFC4-6F175D3DCCD1}">
+              <a14:hiddenFill xmlns:a14="http://schemas.microsoft.com/office/drawing/2010/main">
+                <a:solidFill>
+                  <a:srgbClr val="FFFFFF"/>
+                </a:solidFill>
+              </a14:hiddenFill>
+            </a:ext>
+          </a:extLst>
+        </p:spPr>
+      </p:pic>
+      <p:pic>
+        <p:nvPicPr>
+          <p:cNvPr id="1038" name="Picture 14">
+            <a:extLst>
+              <a:ext uri="{FF2B5EF4-FFF2-40B4-BE49-F238E27FC236}">
+                <a16:creationId xmlns:a16="http://schemas.microsoft.com/office/drawing/2014/main" id="{C1B45BE5-2361-B3CE-123D-F8CA10BDADD3}"/>
+              </a:ext>
+            </a:extLst>
+          </p:cNvPr>
+          <p:cNvPicPr>
+            <a:picLocks noChangeAspect="1" noChangeArrowheads="1"/>
+          </p:cNvPicPr>
+          <p:nvPr/>
+        </p:nvPicPr>
+        <p:blipFill>
+          <a:blip r:embed="rId10">
+            <a:extLst>
+              <a:ext uri="{28A0092B-C50C-407E-A947-70E740481C1C}">
+                <a14:useLocalDpi xmlns:a14="http://schemas.microsoft.com/office/drawing/2010/main" val="0"/>
+              </a:ext>
+            </a:extLst>
+          </a:blip>
+          <a:srcRect/>
+          <a:stretch>
+            <a:fillRect/>
+          </a:stretch>
+        </p:blipFill>
+        <p:spPr bwMode="auto">
+          <a:xfrm>
+            <a:off x="39065599" y="18748906"/>
+            <a:ext cx="7934326" cy="5210175"/>
+          </a:xfrm>
+          <a:prstGeom prst="rect">
+            <a:avLst/>
+          </a:prstGeom>
+          <a:noFill/>
+          <a:extLst>
+            <a:ext uri="{909E8E84-426E-40DD-AFC4-6F175D3DCCD1}">
+              <a14:hiddenFill xmlns:a14="http://schemas.microsoft.com/office/drawing/2010/main">
+                <a:solidFill>
+                  <a:srgbClr val="FFFFFF"/>
+                </a:solidFill>
+              </a14:hiddenFill>
+            </a:ext>
+          </a:extLst>
+        </p:spPr>
+      </p:pic>
+      <p:pic>
+        <p:nvPicPr>
+          <p:cNvPr id="1040" name="Picture 16">
+            <a:extLst>
+              <a:ext uri="{FF2B5EF4-FFF2-40B4-BE49-F238E27FC236}">
+                <a16:creationId xmlns:a16="http://schemas.microsoft.com/office/drawing/2014/main" id="{DA46B563-986C-FCEB-0CBB-6AE2DA7D6505}"/>
+              </a:ext>
+            </a:extLst>
+          </p:cNvPr>
+          <p:cNvPicPr>
+            <a:picLocks noChangeAspect="1" noChangeArrowheads="1"/>
+          </p:cNvPicPr>
+          <p:nvPr/>
+        </p:nvPicPr>
+        <p:blipFill>
+          <a:blip r:embed="rId11">
+            <a:extLst>
+              <a:ext uri="{28A0092B-C50C-407E-A947-70E740481C1C}">
+                <a14:useLocalDpi xmlns:a14="http://schemas.microsoft.com/office/drawing/2010/main" val="0"/>
+              </a:ext>
+            </a:extLst>
+          </a:blip>
+          <a:srcRect/>
+          <a:stretch>
+            <a:fillRect/>
+          </a:stretch>
+        </p:blipFill>
+        <p:spPr bwMode="auto">
+          <a:xfrm>
+            <a:off x="39065599" y="24511787"/>
+            <a:ext cx="7934326" cy="5210175"/>
+          </a:xfrm>
+          <a:prstGeom prst="rect">
+            <a:avLst/>
+          </a:prstGeom>
+          <a:noFill/>
+          <a:extLst>
+            <a:ext uri="{909E8E84-426E-40DD-AFC4-6F175D3DCCD1}">
+              <a14:hiddenFill xmlns:a14="http://schemas.microsoft.com/office/drawing/2010/main">
+                <a:solidFill>
+                  <a:srgbClr val="FFFFFF"/>
+                </a:solidFill>
+              </a14:hiddenFill>
+            </a:ext>
+          </a:extLst>
+        </p:spPr>
+      </p:pic>
     </p:spTree>
     <p:extLst>
       <p:ext uri="{BB962C8B-B14F-4D97-AF65-F5344CB8AC3E}">
